--- a/PalMod2022/docs/ppt/6.4_choose_blocks.pptx
+++ b/PalMod2022/docs/ppt/6.4_choose_blocks.pptx
@@ -245,7 +245,7 @@
           <a:p>
             <a:fld id="{6A96EA6E-A9F3-40C8-A047-16E35C64F658}" type="datetimeFigureOut">
               <a:rPr lang="tr-TR" smtClean="0"/>
-              <a:t>15.04.2022</a:t>
+              <a:t>19.04.2022</a:t>
             </a:fld>
             <a:endParaRPr lang="tr-TR"/>
           </a:p>
@@ -415,7 +415,7 @@
           <a:p>
             <a:fld id="{6A96EA6E-A9F3-40C8-A047-16E35C64F658}" type="datetimeFigureOut">
               <a:rPr lang="tr-TR" smtClean="0"/>
-              <a:t>15.04.2022</a:t>
+              <a:t>19.04.2022</a:t>
             </a:fld>
             <a:endParaRPr lang="tr-TR"/>
           </a:p>
@@ -595,7 +595,7 @@
           <a:p>
             <a:fld id="{6A96EA6E-A9F3-40C8-A047-16E35C64F658}" type="datetimeFigureOut">
               <a:rPr lang="tr-TR" smtClean="0"/>
-              <a:t>15.04.2022</a:t>
+              <a:t>19.04.2022</a:t>
             </a:fld>
             <a:endParaRPr lang="tr-TR"/>
           </a:p>
@@ -765,7 +765,7 @@
           <a:p>
             <a:fld id="{6A96EA6E-A9F3-40C8-A047-16E35C64F658}" type="datetimeFigureOut">
               <a:rPr lang="tr-TR" smtClean="0"/>
-              <a:t>15.04.2022</a:t>
+              <a:t>19.04.2022</a:t>
             </a:fld>
             <a:endParaRPr lang="tr-TR"/>
           </a:p>
@@ -1011,7 +1011,7 @@
           <a:p>
             <a:fld id="{6A96EA6E-A9F3-40C8-A047-16E35C64F658}" type="datetimeFigureOut">
               <a:rPr lang="tr-TR" smtClean="0"/>
-              <a:t>15.04.2022</a:t>
+              <a:t>19.04.2022</a:t>
             </a:fld>
             <a:endParaRPr lang="tr-TR"/>
           </a:p>
@@ -1243,7 +1243,7 @@
           <a:p>
             <a:fld id="{6A96EA6E-A9F3-40C8-A047-16E35C64F658}" type="datetimeFigureOut">
               <a:rPr lang="tr-TR" smtClean="0"/>
-              <a:t>15.04.2022</a:t>
+              <a:t>19.04.2022</a:t>
             </a:fld>
             <a:endParaRPr lang="tr-TR"/>
           </a:p>
@@ -1610,7 +1610,7 @@
           <a:p>
             <a:fld id="{6A96EA6E-A9F3-40C8-A047-16E35C64F658}" type="datetimeFigureOut">
               <a:rPr lang="tr-TR" smtClean="0"/>
-              <a:t>15.04.2022</a:t>
+              <a:t>19.04.2022</a:t>
             </a:fld>
             <a:endParaRPr lang="tr-TR"/>
           </a:p>
@@ -1728,7 +1728,7 @@
           <a:p>
             <a:fld id="{6A96EA6E-A9F3-40C8-A047-16E35C64F658}" type="datetimeFigureOut">
               <a:rPr lang="tr-TR" smtClean="0"/>
-              <a:t>15.04.2022</a:t>
+              <a:t>19.04.2022</a:t>
             </a:fld>
             <a:endParaRPr lang="tr-TR"/>
           </a:p>
@@ -1823,7 +1823,7 @@
           <a:p>
             <a:fld id="{6A96EA6E-A9F3-40C8-A047-16E35C64F658}" type="datetimeFigureOut">
               <a:rPr lang="tr-TR" smtClean="0"/>
-              <a:t>15.04.2022</a:t>
+              <a:t>19.04.2022</a:t>
             </a:fld>
             <a:endParaRPr lang="tr-TR"/>
           </a:p>
@@ -2100,7 +2100,7 @@
           <a:p>
             <a:fld id="{6A96EA6E-A9F3-40C8-A047-16E35C64F658}" type="datetimeFigureOut">
               <a:rPr lang="tr-TR" smtClean="0"/>
-              <a:t>15.04.2022</a:t>
+              <a:t>19.04.2022</a:t>
             </a:fld>
             <a:endParaRPr lang="tr-TR"/>
           </a:p>
@@ -2353,7 +2353,7 @@
           <a:p>
             <a:fld id="{6A96EA6E-A9F3-40C8-A047-16E35C64F658}" type="datetimeFigureOut">
               <a:rPr lang="tr-TR" smtClean="0"/>
-              <a:t>15.04.2022</a:t>
+              <a:t>19.04.2022</a:t>
             </a:fld>
             <a:endParaRPr lang="tr-TR"/>
           </a:p>
@@ -2566,7 +2566,7 @@
           <a:p>
             <a:fld id="{6A96EA6E-A9F3-40C8-A047-16E35C64F658}" type="datetimeFigureOut">
               <a:rPr lang="tr-TR" smtClean="0"/>
-              <a:t>15.04.2022</a:t>
+              <a:t>19.04.2022</a:t>
             </a:fld>
             <a:endParaRPr lang="tr-TR"/>
           </a:p>
@@ -5734,146 +5734,6 @@
           </a:fontRef>
         </p:style>
       </p:cxnSp>
-      <p:grpSp>
-        <p:nvGrpSpPr>
-          <p:cNvPr id="18" name="Group 17">
-            <a:extLst>
-              <a:ext uri="{FF2B5EF4-FFF2-40B4-BE49-F238E27FC236}">
-                <a16:creationId xmlns:a16="http://schemas.microsoft.com/office/drawing/2014/main" id="{6B0D20F0-710E-83AF-9AAA-027653BAA425}"/>
-              </a:ext>
-            </a:extLst>
-          </p:cNvPr>
-          <p:cNvGrpSpPr/>
-          <p:nvPr/>
-        </p:nvGrpSpPr>
-        <p:grpSpPr>
-          <a:xfrm>
-            <a:off x="6394171" y="592133"/>
-            <a:ext cx="6167337" cy="2142386"/>
-            <a:chOff x="6394171" y="592133"/>
-            <a:chExt cx="6167337" cy="2142386"/>
-          </a:xfrm>
-        </p:grpSpPr>
-        <p:pic>
-          <p:nvPicPr>
-            <p:cNvPr id="5" name="Picture 4">
-              <a:extLst>
-                <a:ext uri="{FF2B5EF4-FFF2-40B4-BE49-F238E27FC236}">
-                  <a16:creationId xmlns:a16="http://schemas.microsoft.com/office/drawing/2014/main" id="{698AE497-E2FB-86D2-ED07-D1D1092FF79D}"/>
-                </a:ext>
-              </a:extLst>
-            </p:cNvPr>
-            <p:cNvPicPr>
-              <a:picLocks noChangeAspect="1"/>
-            </p:cNvPicPr>
-            <p:nvPr/>
-          </p:nvPicPr>
-          <p:blipFill>
-            <a:blip r:embed="rId2">
-              <a:extLst>
-                <a:ext uri="{28A0092B-C50C-407E-A947-70E740481C1C}">
-                  <a14:useLocalDpi xmlns:a14="http://schemas.microsoft.com/office/drawing/2010/main" val="0"/>
-                </a:ext>
-              </a:extLst>
-            </a:blip>
-            <a:stretch>
-              <a:fillRect/>
-            </a:stretch>
-          </p:blipFill>
-          <p:spPr>
-            <a:xfrm>
-              <a:off x="6394171" y="1592853"/>
-              <a:ext cx="1141666" cy="1141666"/>
-            </a:xfrm>
-            <a:prstGeom prst="ellipse">
-              <a:avLst/>
-            </a:prstGeom>
-            <a:solidFill>
-              <a:schemeClr val="bg1"/>
-            </a:solidFill>
-          </p:spPr>
-        </p:pic>
-        <p:sp>
-          <p:nvSpPr>
-            <p:cNvPr id="8" name="Oval Callout 7">
-              <a:extLst>
-                <a:ext uri="{FF2B5EF4-FFF2-40B4-BE49-F238E27FC236}">
-                  <a16:creationId xmlns:a16="http://schemas.microsoft.com/office/drawing/2014/main" id="{F9CAB988-03AF-B287-ECCB-5A1FCE8FA94D}"/>
-                </a:ext>
-              </a:extLst>
-            </p:cNvPr>
-            <p:cNvSpPr/>
-            <p:nvPr/>
-          </p:nvSpPr>
-          <p:spPr>
-            <a:xfrm>
-              <a:off x="7412477" y="592133"/>
-              <a:ext cx="5149031" cy="1408465"/>
-            </a:xfrm>
-            <a:prstGeom prst="wedgeEllipseCallout">
-              <a:avLst>
-                <a:gd name="adj1" fmla="val -44496"/>
-                <a:gd name="adj2" fmla="val 56060"/>
-              </a:avLst>
-            </a:prstGeom>
-            <a:solidFill>
-              <a:schemeClr val="bg1"/>
-            </a:solidFill>
-            <a:ln>
-              <a:solidFill>
-                <a:schemeClr val="tx1"/>
-              </a:solidFill>
-            </a:ln>
-          </p:spPr>
-          <p:style>
-            <a:lnRef idx="2">
-              <a:schemeClr val="accent1">
-                <a:shade val="50000"/>
-              </a:schemeClr>
-            </a:lnRef>
-            <a:fillRef idx="1">
-              <a:schemeClr val="accent1"/>
-            </a:fillRef>
-            <a:effectRef idx="0">
-              <a:schemeClr val="accent1"/>
-            </a:effectRef>
-            <a:fontRef idx="minor">
-              <a:schemeClr val="lt1"/>
-            </a:fontRef>
-          </p:style>
-          <p:txBody>
-            <a:bodyPr rtlCol="0" anchor="ctr"/>
-            <a:lstStyle/>
-            <a:p>
-              <a:pPr algn="ctr"/>
-              <a:r>
-                <a:rPr lang="en-GB" dirty="0">
-                  <a:solidFill>
-                    <a:schemeClr val="tx1"/>
-                  </a:solidFill>
-                </a:rPr>
-                <a:t>There are very good use-case examples in the </a:t>
-              </a:r>
-              <a:r>
-                <a:rPr lang="en-GB" dirty="0" err="1">
-                  <a:solidFill>
-                    <a:schemeClr val="tx1"/>
-                  </a:solidFill>
-                </a:rPr>
-                <a:t>awiesm.yaml</a:t>
-              </a:r>
-              <a:r>
-                <a:rPr lang="en-GB" dirty="0">
-                  <a:solidFill>
-                    <a:schemeClr val="tx1"/>
-                  </a:solidFill>
-                </a:rPr>
-                <a:t>, the instructors will show those after the hands-on exercise</a:t>
-              </a:r>
-            </a:p>
-          </p:txBody>
-        </p:sp>
-      </p:grpSp>
     </p:spTree>
     <p:extLst>
       <p:ext uri="{BB962C8B-B14F-4D97-AF65-F5344CB8AC3E}">
@@ -6018,51 +5878,6 @@
                                         </p:cTn>
                                         <p:tgtEl>
                                           <p:spTgt spid="16"/>
-                                        </p:tgtEl>
-                                        <p:attrNameLst>
-                                          <p:attrName>style.visibility</p:attrName>
-                                        </p:attrNameLst>
-                                      </p:cBhvr>
-                                      <p:to>
-                                        <p:strVal val="visible"/>
-                                      </p:to>
-                                    </p:set>
-                                  </p:childTnLst>
-                                </p:cTn>
-                              </p:par>
-                            </p:childTnLst>
-                          </p:cTn>
-                        </p:par>
-                      </p:childTnLst>
-                    </p:cTn>
-                  </p:par>
-                  <p:par>
-                    <p:cTn id="15" fill="hold">
-                      <p:stCondLst>
-                        <p:cond delay="indefinite"/>
-                      </p:stCondLst>
-                      <p:childTnLst>
-                        <p:par>
-                          <p:cTn id="16" fill="hold">
-                            <p:stCondLst>
-                              <p:cond delay="0"/>
-                            </p:stCondLst>
-                            <p:childTnLst>
-                              <p:par>
-                                <p:cTn id="17" presetID="1" presetClass="entr" presetSubtype="0" fill="hold" nodeType="clickEffect">
-                                  <p:stCondLst>
-                                    <p:cond delay="0"/>
-                                  </p:stCondLst>
-                                  <p:childTnLst>
-                                    <p:set>
-                                      <p:cBhvr>
-                                        <p:cTn id="18" dur="1" fill="hold">
-                                          <p:stCondLst>
-                                            <p:cond delay="0"/>
-                                          </p:stCondLst>
-                                        </p:cTn>
-                                        <p:tgtEl>
-                                          <p:spTgt spid="18"/>
                                         </p:tgtEl>
                                         <p:attrNameLst>
                                           <p:attrName>style.visibility</p:attrName>
